--- a/Trabalho sobre MQTT.pptx
+++ b/Trabalho sobre MQTT.pptx
@@ -112,6 +112,11 @@
       </a:defRPr>
     </a:lvl9pPr>
   </p:defaultTextStyle>
+  <p:extLst>
+    <p:ext uri="{EFAFB233-063F-42B5-8137-9DF3F51BA10A}">
+      <p15:sldGuideLst xmlns:p15="http://schemas.microsoft.com/office/powerpoint/2012/main"/>
+    </p:ext>
+  </p:extLst>
 </p:presentation>
 </file>
 
@@ -339,7 +344,7 @@
           <a:p>
             <a:fld id="{530718CC-0D77-40F9-B9A6-59A0ABC47D36}" type="datetimeFigureOut">
               <a:rPr lang="en-US" smtClean="0"/>
-              <a:t>6/12/2022</a:t>
+              <a:t>6/13/2022</a:t>
             </a:fld>
             <a:endParaRPr lang="en-US"/>
           </a:p>
@@ -620,7 +625,7 @@
           <a:p>
             <a:fld id="{530718CC-0D77-40F9-B9A6-59A0ABC47D36}" type="datetimeFigureOut">
               <a:rPr lang="en-US" smtClean="0"/>
-              <a:t>6/12/2022</a:t>
+              <a:t>6/13/2022</a:t>
             </a:fld>
             <a:endParaRPr lang="en-US"/>
           </a:p>
@@ -812,7 +817,7 @@
           <a:p>
             <a:fld id="{530718CC-0D77-40F9-B9A6-59A0ABC47D36}" type="datetimeFigureOut">
               <a:rPr lang="en-US" smtClean="0"/>
-              <a:t>6/12/2022</a:t>
+              <a:t>6/13/2022</a:t>
             </a:fld>
             <a:endParaRPr lang="en-US"/>
           </a:p>
@@ -1073,7 +1078,7 @@
           <a:p>
             <a:fld id="{530718CC-0D77-40F9-B9A6-59A0ABC47D36}" type="datetimeFigureOut">
               <a:rPr lang="en-US" smtClean="0"/>
-              <a:t>6/12/2022</a:t>
+              <a:t>6/13/2022</a:t>
             </a:fld>
             <a:endParaRPr lang="en-US"/>
           </a:p>
@@ -1499,7 +1504,7 @@
           <a:p>
             <a:fld id="{530718CC-0D77-40F9-B9A6-59A0ABC47D36}" type="datetimeFigureOut">
               <a:rPr lang="en-US" smtClean="0"/>
-              <a:t>6/12/2022</a:t>
+              <a:t>6/13/2022</a:t>
             </a:fld>
             <a:endParaRPr lang="en-US"/>
           </a:p>
@@ -2045,7 +2050,7 @@
           <a:p>
             <a:fld id="{530718CC-0D77-40F9-B9A6-59A0ABC47D36}" type="datetimeFigureOut">
               <a:rPr lang="en-US" smtClean="0"/>
-              <a:t>6/12/2022</a:t>
+              <a:t>6/13/2022</a:t>
             </a:fld>
             <a:endParaRPr lang="en-US"/>
           </a:p>
@@ -2876,7 +2881,7 @@
           <a:p>
             <a:fld id="{530718CC-0D77-40F9-B9A6-59A0ABC47D36}" type="datetimeFigureOut">
               <a:rPr lang="en-US" smtClean="0"/>
-              <a:t>6/12/2022</a:t>
+              <a:t>6/13/2022</a:t>
             </a:fld>
             <a:endParaRPr lang="en-US"/>
           </a:p>
@@ -3046,7 +3051,7 @@
           <a:p>
             <a:fld id="{530718CC-0D77-40F9-B9A6-59A0ABC47D36}" type="datetimeFigureOut">
               <a:rPr lang="en-US" smtClean="0"/>
-              <a:t>6/12/2022</a:t>
+              <a:t>6/13/2022</a:t>
             </a:fld>
             <a:endParaRPr lang="en-US"/>
           </a:p>
@@ -3226,7 +3231,7 @@
           <a:p>
             <a:fld id="{530718CC-0D77-40F9-B9A6-59A0ABC47D36}" type="datetimeFigureOut">
               <a:rPr lang="en-US" smtClean="0"/>
-              <a:t>6/12/2022</a:t>
+              <a:t>6/13/2022</a:t>
             </a:fld>
             <a:endParaRPr lang="en-US"/>
           </a:p>
@@ -3396,7 +3401,7 @@
           <a:p>
             <a:fld id="{530718CC-0D77-40F9-B9A6-59A0ABC47D36}" type="datetimeFigureOut">
               <a:rPr lang="en-US" smtClean="0"/>
-              <a:t>6/12/2022</a:t>
+              <a:t>6/13/2022</a:t>
             </a:fld>
             <a:endParaRPr lang="en-US"/>
           </a:p>
@@ -3653,7 +3658,7 @@
           <a:p>
             <a:fld id="{530718CC-0D77-40F9-B9A6-59A0ABC47D36}" type="datetimeFigureOut">
               <a:rPr lang="en-US" smtClean="0"/>
-              <a:t>6/12/2022</a:t>
+              <a:t>6/13/2022</a:t>
             </a:fld>
             <a:endParaRPr lang="en-US"/>
           </a:p>
@@ -3885,7 +3890,7 @@
           <a:p>
             <a:fld id="{530718CC-0D77-40F9-B9A6-59A0ABC47D36}" type="datetimeFigureOut">
               <a:rPr lang="en-US" smtClean="0"/>
-              <a:t>6/12/2022</a:t>
+              <a:t>6/13/2022</a:t>
             </a:fld>
             <a:endParaRPr lang="en-US"/>
           </a:p>
@@ -4278,7 +4283,7 @@
           <a:p>
             <a:fld id="{530718CC-0D77-40F9-B9A6-59A0ABC47D36}" type="datetimeFigureOut">
               <a:rPr lang="en-US" smtClean="0"/>
-              <a:t>6/12/2022</a:t>
+              <a:t>6/13/2022</a:t>
             </a:fld>
             <a:endParaRPr lang="en-US"/>
           </a:p>
@@ -4396,7 +4401,7 @@
           <a:p>
             <a:fld id="{530718CC-0D77-40F9-B9A6-59A0ABC47D36}" type="datetimeFigureOut">
               <a:rPr lang="en-US" smtClean="0"/>
-              <a:t>6/12/2022</a:t>
+              <a:t>6/13/2022</a:t>
             </a:fld>
             <a:endParaRPr lang="en-US"/>
           </a:p>
@@ -4491,7 +4496,7 @@
           <a:p>
             <a:fld id="{530718CC-0D77-40F9-B9A6-59A0ABC47D36}" type="datetimeFigureOut">
               <a:rPr lang="en-US" smtClean="0"/>
-              <a:t>6/12/2022</a:t>
+              <a:t>6/13/2022</a:t>
             </a:fld>
             <a:endParaRPr lang="en-US"/>
           </a:p>
@@ -4764,7 +4769,7 @@
           <a:p>
             <a:fld id="{530718CC-0D77-40F9-B9A6-59A0ABC47D36}" type="datetimeFigureOut">
               <a:rPr lang="en-US" smtClean="0"/>
-              <a:t>6/12/2022</a:t>
+              <a:t>6/13/2022</a:t>
             </a:fld>
             <a:endParaRPr lang="en-US"/>
           </a:p>
@@ -5045,7 +5050,7 @@
           <a:p>
             <a:fld id="{530718CC-0D77-40F9-B9A6-59A0ABC47D36}" type="datetimeFigureOut">
               <a:rPr lang="en-US" smtClean="0"/>
-              <a:t>6/12/2022</a:t>
+              <a:t>6/13/2022</a:t>
             </a:fld>
             <a:endParaRPr lang="en-US"/>
           </a:p>
@@ -5285,7 +5290,7 @@
           <a:p>
             <a:fld id="{530718CC-0D77-40F9-B9A6-59A0ABC47D36}" type="datetimeFigureOut">
               <a:rPr lang="en-US" smtClean="0"/>
-              <a:t>6/12/2022</a:t>
+              <a:t>6/13/2022</a:t>
             </a:fld>
             <a:endParaRPr lang="en-US"/>
           </a:p>
@@ -6068,7 +6073,7 @@
             </a:br>
             <a:r>
               <a:rPr lang="en-US" dirty="0" err="1"/>
-              <a:t>telefone</a:t>
+              <a:t>celular</a:t>
             </a:r>
             <a:endParaRPr lang="en-US" dirty="0"/>
           </a:p>
@@ -8148,8 +8153,8 @@
           </a:p>
         </p:txBody>
       </p:sp>
-      <mc:AlternateContent xmlns:mc="http://schemas.openxmlformats.org/markup-compatibility/2006">
-        <mc:Choice xmlns:p14="http://schemas.microsoft.com/office/powerpoint/2010/main" Requires="p14">
+      <mc:AlternateContent xmlns:mc="http://schemas.openxmlformats.org/markup-compatibility/2006" xmlns:p14="http://schemas.microsoft.com/office/powerpoint/2010/main">
+        <mc:Choice Requires="p14">
           <p:contentPart p14:bwMode="auto" r:id="rId3">
             <p14:nvContentPartPr>
               <p14:cNvPr id="4" name="Ink 3">
@@ -8168,7 +8173,7 @@
             </p14:xfrm>
           </p:contentPart>
         </mc:Choice>
-        <mc:Fallback>
+        <mc:Fallback xmlns="">
           <p:pic>
             <p:nvPicPr>
               <p:cNvPr id="4" name="Ink 3">
@@ -9110,8 +9115,8 @@
         </p:nvSpPr>
         <p:spPr>
           <a:xfrm>
-            <a:off x="8833509" y="4643667"/>
-            <a:ext cx="2388069" cy="967997"/>
+            <a:off x="8361729" y="4633910"/>
+            <a:ext cx="3113738" cy="967997"/>
           </a:xfrm>
           <a:prstGeom prst="rect">
             <a:avLst/>
@@ -9390,6 +9395,20 @@
                 <a:ea typeface="Cambria" panose="02040503050406030204" pitchFamily="18" charset="0"/>
               </a:rPr>
               <a:t>Filtro</a:t>
+            </a:r>
+            <a:r>
+              <a:rPr lang="en-US" dirty="0">
+                <a:latin typeface="Consolas" panose="020B0609020204030204" pitchFamily="49" charset="0"/>
+                <a:ea typeface="Cambria" panose="02040503050406030204" pitchFamily="18" charset="0"/>
+              </a:rPr>
+              <a:t> de </a:t>
+            </a:r>
+            <a:r>
+              <a:rPr lang="en-US" dirty="0" err="1">
+                <a:latin typeface="Consolas" panose="020B0609020204030204" pitchFamily="49" charset="0"/>
+                <a:ea typeface="Cambria" panose="02040503050406030204" pitchFamily="18" charset="0"/>
+              </a:rPr>
+              <a:t>Linha</a:t>
             </a:r>
             <a:r>
               <a:rPr lang="en-US" dirty="0">
